--- a/Show & Tell/PPT GNE114.pptx
+++ b/Show & Tell/PPT GNE114.pptx
@@ -26,7 +26,7 @@
     <p:sldId id="613" r:id="rId14"/>
   </p:sldIdLst>
   <p:sldSz cx="9144000" cy="5143500" type="screen16x9"/>
-  <p:notesSz cx="9144000" cy="6858000"/>
+  <p:notesSz cx="6858000" cy="9144000"/>
   <p:defaultTextStyle>
     <a:defPPr>
       <a:defRPr lang="en-IN"/>
@@ -2592,8 +2592,8 @@
     </dgm:pt>
   </dgm:ptLst>
   <dgm:cxnLst>
+    <dgm:cxn modelId="{8BE3C8AF-74C5-4DA7-BD8B-8520DEB9FBEB}" type="presOf" srcId="{3EB23A36-98DE-485D-B8D7-5CAC88B8A6C9}" destId="{E2A48785-4BC0-4F13-9827-E83AF069870D}" srcOrd="0" destOrd="0" presId="urn:microsoft.com/office/officeart/2005/8/layout/bProcess3#1"/>
     <dgm:cxn modelId="{2B7238D8-9727-4B02-B803-4D8BC1AD8F6A}" type="presOf" srcId="{6FC6543E-D411-4505-B21E-15A2EA71F65D}" destId="{8B284B13-54B0-4E6D-8554-1C781FA28CB1}" srcOrd="0" destOrd="0" presId="urn:microsoft.com/office/officeart/2005/8/layout/bProcess3#1"/>
-    <dgm:cxn modelId="{8BE3C8AF-74C5-4DA7-BD8B-8520DEB9FBEB}" type="presOf" srcId="{3EB23A36-98DE-485D-B8D7-5CAC88B8A6C9}" destId="{E2A48785-4BC0-4F13-9827-E83AF069870D}" srcOrd="0" destOrd="0" presId="urn:microsoft.com/office/officeart/2005/8/layout/bProcess3#1"/>
     <dgm:cxn modelId="{ADAA6281-45E4-4226-9BE3-C8C4ACF6BA62}" srcId="{AECB0D87-4F2B-4FFA-A4A6-F50AC3F23C3B}" destId="{8C9280E3-376E-4523-B651-6D86AB5EB5A5}" srcOrd="0" destOrd="0" parTransId="{0B3D0DB1-19B9-44A8-9C9C-525008F01928}" sibTransId="{473DFB2B-4B11-4058-809D-C8D7E21FB000}"/>
     <dgm:cxn modelId="{2F4D717E-7E98-4EF3-9C75-304A13A4ED1C}" type="presOf" srcId="{AECB0D87-4F2B-4FFA-A4A6-F50AC3F23C3B}" destId="{584C4E15-9440-480D-9EA6-8C1D8225A5E7}" srcOrd="0" destOrd="0" presId="urn:microsoft.com/office/officeart/2005/8/layout/bProcess3#1"/>
     <dgm:cxn modelId="{8A990CB6-853D-4094-A3BE-4744AA7A34BA}" type="presOf" srcId="{C83E73CC-EDF8-4EC9-8EEB-0DB2168EDD36}" destId="{4D9A827D-1216-4CC8-9154-F0767BB0E44F}" srcOrd="0" destOrd="0" presId="urn:microsoft.com/office/officeart/2005/8/layout/bProcess3#1"/>
@@ -7830,8 +7830,8 @@
         </p:nvSpPr>
         <p:spPr>
           <a:xfrm>
-            <a:off x="0" y="0"/>
-            <a:ext cx="3962400" cy="344091"/>
+            <a:off x="0" y="1"/>
+            <a:ext cx="2971800" cy="458788"/>
           </a:xfrm>
           <a:prstGeom prst="rect">
             <a:avLst/>
@@ -7861,8 +7861,8 @@
         </p:nvSpPr>
         <p:spPr>
           <a:xfrm>
-            <a:off x="5179484" y="0"/>
-            <a:ext cx="3962400" cy="344091"/>
+            <a:off x="3884613" y="1"/>
+            <a:ext cx="2971800" cy="458788"/>
           </a:xfrm>
           <a:prstGeom prst="rect">
             <a:avLst/>
@@ -7878,7 +7878,7 @@
           <a:p>
             <a:fld id="{696C064A-D61B-4B21-B757-51A9B82445B8}" type="datetimeFigureOut">
               <a:rPr lang="en-US" smtClean="0"/>
-              <a:t>10/31/2022</a:t>
+              <a:t>11/1/2022</a:t>
             </a:fld>
             <a:endParaRPr lang="en-US"/>
           </a:p>
@@ -7896,8 +7896,8 @@
         </p:nvSpPr>
         <p:spPr>
           <a:xfrm>
-            <a:off x="0" y="6513910"/>
-            <a:ext cx="3962400" cy="344090"/>
+            <a:off x="0" y="8685213"/>
+            <a:ext cx="2971800" cy="458787"/>
           </a:xfrm>
           <a:prstGeom prst="rect">
             <a:avLst/>
@@ -7927,8 +7927,8 @@
         </p:nvSpPr>
         <p:spPr>
           <a:xfrm>
-            <a:off x="5179484" y="6513910"/>
-            <a:ext cx="3962400" cy="344090"/>
+            <a:off x="3884613" y="8685213"/>
+            <a:ext cx="2971800" cy="458787"/>
           </a:xfrm>
           <a:prstGeom prst="rect">
             <a:avLst/>
@@ -7995,8 +7995,8 @@
         </p:nvSpPr>
         <p:spPr>
           <a:xfrm>
-            <a:off x="0" y="0"/>
-            <a:ext cx="3962400" cy="344091"/>
+            <a:off x="0" y="1"/>
+            <a:ext cx="2971800" cy="458788"/>
           </a:xfrm>
           <a:prstGeom prst="rect">
             <a:avLst/>
@@ -8026,8 +8026,8 @@
         </p:nvSpPr>
         <p:spPr>
           <a:xfrm>
-            <a:off x="5179484" y="0"/>
-            <a:ext cx="3962400" cy="344091"/>
+            <a:off x="3884613" y="1"/>
+            <a:ext cx="2971800" cy="458788"/>
           </a:xfrm>
           <a:prstGeom prst="rect">
             <a:avLst/>
@@ -8043,7 +8043,7 @@
           <a:p>
             <a:fld id="{3EFD42F7-718C-4B98-AAEC-167E6DDD60A7}" type="datetimeFigureOut">
               <a:rPr lang="en-US" smtClean="0"/>
-              <a:t>10/31/2022</a:t>
+              <a:t>11/1/2022</a:t>
             </a:fld>
             <a:endParaRPr lang="en-US"/>
           </a:p>
@@ -8061,8 +8061,8 @@
         </p:nvSpPr>
         <p:spPr>
           <a:xfrm>
-            <a:off x="2514600" y="857250"/>
-            <a:ext cx="4114800" cy="2314575"/>
+            <a:off x="685800" y="1143000"/>
+            <a:ext cx="5486400" cy="3086100"/>
           </a:xfrm>
           <a:prstGeom prst="rect">
             <a:avLst/>
@@ -8094,8 +8094,8 @@
         </p:nvSpPr>
         <p:spPr>
           <a:xfrm>
-            <a:off x="914400" y="3300412"/>
-            <a:ext cx="7315200" cy="2700338"/>
+            <a:off x="685800" y="4400549"/>
+            <a:ext cx="5486400" cy="3600451"/>
           </a:xfrm>
           <a:prstGeom prst="rect">
             <a:avLst/>
@@ -8154,8 +8154,8 @@
         </p:nvSpPr>
         <p:spPr>
           <a:xfrm>
-            <a:off x="0" y="6513910"/>
-            <a:ext cx="3962400" cy="344090"/>
+            <a:off x="0" y="8685213"/>
+            <a:ext cx="2971800" cy="458787"/>
           </a:xfrm>
           <a:prstGeom prst="rect">
             <a:avLst/>
@@ -8185,8 +8185,8 @@
         </p:nvSpPr>
         <p:spPr>
           <a:xfrm>
-            <a:off x="5179484" y="6513910"/>
-            <a:ext cx="3962400" cy="344090"/>
+            <a:off x="3884613" y="8685213"/>
+            <a:ext cx="2971800" cy="458787"/>
           </a:xfrm>
           <a:prstGeom prst="rect">
             <a:avLst/>
@@ -21709,7 +21709,7 @@
   <a:extraClrSchemeLst/>
   <a:extLst>
     <a:ext uri="{05A4C25C-085E-4340-85A3-A5531E510DB2}">
-      <thm15:themeFamily xmlns:thm15="http://schemas.microsoft.com/office/thememl/2012/main" xmlns="" name="Office Theme" id="{62F939B6-93AF-4DB8-9C6B-D6C7DFDC589F}" vid="{4A3C46E8-61CC-4603-A589-7422A47A8E4A}"/>
+      <thm15:themeFamily xmlns="" xmlns:thm15="http://schemas.microsoft.com/office/thememl/2012/main" name="Office Theme" id="{62F939B6-93AF-4DB8-9C6B-D6C7DFDC589F}" vid="{4A3C46E8-61CC-4603-A589-7422A47A8E4A}"/>
     </a:ext>
   </a:extLst>
 </a:theme>
@@ -21997,7 +21997,7 @@
   <a:extraClrSchemeLst/>
   <a:extLst>
     <a:ext uri="{05A4C25C-085E-4340-85A3-A5531E510DB2}">
-      <thm15:themeFamily xmlns:thm15="http://schemas.microsoft.com/office/thememl/2012/main" xmlns="" name="Office Theme" id="{62F939B6-93AF-4DB8-9C6B-D6C7DFDC589F}" vid="{4A3C46E8-61CC-4603-A589-7422A47A8E4A}"/>
+      <thm15:themeFamily xmlns="" xmlns:thm15="http://schemas.microsoft.com/office/thememl/2012/main" name="Office Theme" id="{62F939B6-93AF-4DB8-9C6B-D6C7DFDC589F}" vid="{4A3C46E8-61CC-4603-A589-7422A47A8E4A}"/>
     </a:ext>
   </a:extLst>
 </a:theme>
@@ -22258,7 +22258,7 @@
   <a:extraClrSchemeLst/>
   <a:extLst>
     <a:ext uri="{05A4C25C-085E-4340-85A3-A5531E510DB2}">
-      <thm15:themeFamily xmlns:thm15="http://schemas.microsoft.com/office/thememl/2012/main" xmlns="" name="Office Theme" id="{62F939B6-93AF-4DB8-9C6B-D6C7DFDC589F}" vid="{4A3C46E8-61CC-4603-A589-7422A47A8E4A}"/>
+      <thm15:themeFamily xmlns="" xmlns:thm15="http://schemas.microsoft.com/office/thememl/2012/main" name="Office Theme" id="{62F939B6-93AF-4DB8-9C6B-D6C7DFDC589F}" vid="{4A3C46E8-61CC-4603-A589-7422A47A8E4A}"/>
     </a:ext>
   </a:extLst>
 </a:theme>
@@ -22519,7 +22519,7 @@
   <a:extraClrSchemeLst/>
   <a:extLst>
     <a:ext uri="{05A4C25C-085E-4340-85A3-A5531E510DB2}">
-      <thm15:themeFamily xmlns:thm15="http://schemas.microsoft.com/office/thememl/2012/main" xmlns="" name="Office Theme" id="{62F939B6-93AF-4DB8-9C6B-D6C7DFDC589F}" vid="{4A3C46E8-61CC-4603-A589-7422A47A8E4A}"/>
+      <thm15:themeFamily xmlns="" xmlns:thm15="http://schemas.microsoft.com/office/thememl/2012/main" name="Office Theme" id="{62F939B6-93AF-4DB8-9C6B-D6C7DFDC589F}" vid="{4A3C46E8-61CC-4603-A589-7422A47A8E4A}"/>
     </a:ext>
   </a:extLst>
 </a:theme>
